--- a/Kubernetes-v2.pptx
+++ b/Kubernetes-v2.pptx
@@ -13,6 +13,9 @@
     <p:sldId id="261" r:id="rId7"/>
     <p:sldId id="262" r:id="rId8"/>
     <p:sldId id="263" r:id="rId9"/>
+    <p:sldId id="264" r:id="rId10"/>
+    <p:sldId id="265" r:id="rId11"/>
+    <p:sldId id="266" r:id="rId12"/>
   </p:sldIdLst>
   <p:sldSz cx="12192000" cy="6858000"/>
   <p:notesSz cx="6858000" cy="9144000"/>
@@ -3397,6 +3400,1028 @@
 </p:sld>
 </file>
 
+<file path=ppt/slides/slide10.xml><?xml version="1.0" encoding="utf-8"?>
+<p:sld xmlns:a="http://schemas.openxmlformats.org/drawingml/2006/main" xmlns:r="http://schemas.openxmlformats.org/officeDocument/2006/relationships" xmlns:p="http://schemas.openxmlformats.org/presentationml/2006/main">
+  <p:cSld>
+    <p:spTree>
+      <p:nvGrpSpPr>
+        <p:cNvPr id="1" name=""/>
+        <p:cNvGrpSpPr/>
+        <p:nvPr/>
+      </p:nvGrpSpPr>
+      <p:grpSpPr>
+        <a:xfrm>
+          <a:off x="0" y="0"/>
+          <a:ext cx="0" cy="0"/>
+          <a:chOff x="0" y="0"/>
+          <a:chExt cx="0" cy="0"/>
+        </a:xfrm>
+      </p:grpSpPr>
+      <p:sp>
+        <p:nvSpPr>
+          <p:cNvPr id="2" name="Title 1">
+            <a:extLst>
+              <a:ext uri="{FF2B5EF4-FFF2-40B4-BE49-F238E27FC236}">
+                <a16:creationId xmlns:a16="http://schemas.microsoft.com/office/drawing/2014/main" id="{FFCE0364-F530-2547-89C6-17982D5DAA1F}"/>
+              </a:ext>
+            </a:extLst>
+          </p:cNvPr>
+          <p:cNvSpPr>
+            <a:spLocks noGrp="1"/>
+          </p:cNvSpPr>
+          <p:nvPr>
+            <p:ph type="title"/>
+          </p:nvPr>
+        </p:nvSpPr>
+        <p:spPr/>
+        <p:txBody>
+          <a:bodyPr/>
+          <a:lstStyle/>
+          <a:p>
+            <a:r>
+              <a:rPr lang="en-US" dirty="0"/>
+              <a:t>Wait a minute…</a:t>
+            </a:r>
+          </a:p>
+        </p:txBody>
+      </p:sp>
+      <p:sp>
+        <p:nvSpPr>
+          <p:cNvPr id="3" name="Content Placeholder 2">
+            <a:extLst>
+              <a:ext uri="{FF2B5EF4-FFF2-40B4-BE49-F238E27FC236}">
+                <a16:creationId xmlns:a16="http://schemas.microsoft.com/office/drawing/2014/main" id="{36224F07-2142-CC47-BB4D-D478AECA53BB}"/>
+              </a:ext>
+            </a:extLst>
+          </p:cNvPr>
+          <p:cNvSpPr>
+            <a:spLocks noGrp="1"/>
+          </p:cNvSpPr>
+          <p:nvPr>
+            <p:ph idx="1"/>
+          </p:nvPr>
+        </p:nvSpPr>
+        <p:spPr>
+          <a:xfrm>
+            <a:off x="492211" y="1326065"/>
+            <a:ext cx="10515600" cy="967002"/>
+          </a:xfrm>
+        </p:spPr>
+        <p:txBody>
+          <a:bodyPr/>
+          <a:lstStyle/>
+          <a:p>
+            <a:pPr marL="0" indent="0">
+              <a:buNone/>
+            </a:pPr>
+            <a:r>
+              <a:rPr lang="en-US" dirty="0"/>
+              <a:t>If pods are getting created and destroyed, how can we communicate with them consistently?  Each pod has its own IP address…</a:t>
+            </a:r>
+          </a:p>
+        </p:txBody>
+      </p:sp>
+      <p:pic>
+        <p:nvPicPr>
+          <p:cNvPr id="5" name="Picture 4">
+            <a:extLst>
+              <a:ext uri="{FF2B5EF4-FFF2-40B4-BE49-F238E27FC236}">
+                <a16:creationId xmlns:a16="http://schemas.microsoft.com/office/drawing/2014/main" id="{D811459B-E29B-984B-8137-321662FE4BC4}"/>
+              </a:ext>
+            </a:extLst>
+          </p:cNvPr>
+          <p:cNvPicPr>
+            <a:picLocks noChangeAspect="1"/>
+          </p:cNvPicPr>
+          <p:nvPr/>
+        </p:nvPicPr>
+        <p:blipFill>
+          <a:blip r:embed="rId2"/>
+          <a:stretch>
+            <a:fillRect/>
+          </a:stretch>
+        </p:blipFill>
+        <p:spPr>
+          <a:xfrm>
+            <a:off x="0" y="2800292"/>
+            <a:ext cx="12192000" cy="1257416"/>
+          </a:xfrm>
+          <a:prstGeom prst="rect">
+            <a:avLst/>
+          </a:prstGeom>
+        </p:spPr>
+      </p:pic>
+      <p:sp>
+        <p:nvSpPr>
+          <p:cNvPr id="6" name="Frame 5">
+            <a:extLst>
+              <a:ext uri="{FF2B5EF4-FFF2-40B4-BE49-F238E27FC236}">
+                <a16:creationId xmlns:a16="http://schemas.microsoft.com/office/drawing/2014/main" id="{37B928A8-D6CD-144E-948D-0B95B392464A}"/>
+              </a:ext>
+            </a:extLst>
+          </p:cNvPr>
+          <p:cNvSpPr/>
+          <p:nvPr/>
+        </p:nvSpPr>
+        <p:spPr>
+          <a:xfrm>
+            <a:off x="5511114" y="3200401"/>
+            <a:ext cx="1210962" cy="976184"/>
+          </a:xfrm>
+          <a:prstGeom prst="frame">
+            <a:avLst/>
+          </a:prstGeom>
+        </p:spPr>
+        <p:style>
+          <a:lnRef idx="2">
+            <a:schemeClr val="accent1">
+              <a:shade val="50000"/>
+            </a:schemeClr>
+          </a:lnRef>
+          <a:fillRef idx="1">
+            <a:schemeClr val="accent1"/>
+          </a:fillRef>
+          <a:effectRef idx="0">
+            <a:schemeClr val="accent1"/>
+          </a:effectRef>
+          <a:fontRef idx="minor">
+            <a:schemeClr val="lt1"/>
+          </a:fontRef>
+        </p:style>
+        <p:txBody>
+          <a:bodyPr rtlCol="0" anchor="ctr"/>
+          <a:lstStyle/>
+          <a:p>
+            <a:pPr algn="ctr"/>
+            <a:endParaRPr lang="en-US">
+              <a:solidFill>
+                <a:schemeClr val="tx1"/>
+              </a:solidFill>
+            </a:endParaRPr>
+          </a:p>
+        </p:txBody>
+      </p:sp>
+      <p:sp>
+        <p:nvSpPr>
+          <p:cNvPr id="7" name="Frame 6">
+            <a:extLst>
+              <a:ext uri="{FF2B5EF4-FFF2-40B4-BE49-F238E27FC236}">
+                <a16:creationId xmlns:a16="http://schemas.microsoft.com/office/drawing/2014/main" id="{5995C807-531D-0442-B73B-9F5BFE4ED0DB}"/>
+              </a:ext>
+            </a:extLst>
+          </p:cNvPr>
+          <p:cNvSpPr/>
+          <p:nvPr/>
+        </p:nvSpPr>
+        <p:spPr>
+          <a:xfrm>
+            <a:off x="4633784" y="2681414"/>
+            <a:ext cx="1462216" cy="658743"/>
+          </a:xfrm>
+          <a:prstGeom prst="frame">
+            <a:avLst/>
+          </a:prstGeom>
+        </p:spPr>
+        <p:style>
+          <a:lnRef idx="2">
+            <a:schemeClr val="accent1">
+              <a:shade val="50000"/>
+            </a:schemeClr>
+          </a:lnRef>
+          <a:fillRef idx="1">
+            <a:schemeClr val="accent1"/>
+          </a:fillRef>
+          <a:effectRef idx="0">
+            <a:schemeClr val="accent1"/>
+          </a:effectRef>
+          <a:fontRef idx="minor">
+            <a:schemeClr val="lt1"/>
+          </a:fontRef>
+        </p:style>
+        <p:txBody>
+          <a:bodyPr rtlCol="0" anchor="ctr"/>
+          <a:lstStyle/>
+          <a:p>
+            <a:pPr algn="ctr"/>
+            <a:endParaRPr lang="en-US">
+              <a:solidFill>
+                <a:schemeClr val="tx1"/>
+              </a:solidFill>
+            </a:endParaRPr>
+          </a:p>
+        </p:txBody>
+      </p:sp>
+      <p:sp>
+        <p:nvSpPr>
+          <p:cNvPr id="8" name="TextBox 7">
+            <a:extLst>
+              <a:ext uri="{FF2B5EF4-FFF2-40B4-BE49-F238E27FC236}">
+                <a16:creationId xmlns:a16="http://schemas.microsoft.com/office/drawing/2014/main" id="{6D6D6F74-15D5-6644-855B-A7CA42BF89D7}"/>
+              </a:ext>
+            </a:extLst>
+          </p:cNvPr>
+          <p:cNvSpPr txBox="1"/>
+          <p:nvPr/>
+        </p:nvSpPr>
+        <p:spPr>
+          <a:xfrm>
+            <a:off x="838200" y="4386649"/>
+            <a:ext cx="5735288" cy="369332"/>
+          </a:xfrm>
+          <a:prstGeom prst="rect">
+            <a:avLst/>
+          </a:prstGeom>
+          <a:noFill/>
+        </p:spPr>
+        <p:txBody>
+          <a:bodyPr wrap="none" rtlCol="0">
+            <a:spAutoFit/>
+          </a:bodyPr>
+          <a:lstStyle/>
+          <a:p>
+            <a:r>
+              <a:rPr lang="en-US" dirty="0"/>
+              <a:t>When the RS creates a new pod, it gives it a new IP address</a:t>
+            </a:r>
+          </a:p>
+        </p:txBody>
+      </p:sp>
+      <p:pic>
+        <p:nvPicPr>
+          <p:cNvPr id="10" name="Picture 9">
+            <a:extLst>
+              <a:ext uri="{FF2B5EF4-FFF2-40B4-BE49-F238E27FC236}">
+                <a16:creationId xmlns:a16="http://schemas.microsoft.com/office/drawing/2014/main" id="{3BAD301B-AC6E-AE48-A133-BE6678E0BEAE}"/>
+              </a:ext>
+            </a:extLst>
+          </p:cNvPr>
+          <p:cNvPicPr>
+            <a:picLocks noChangeAspect="1"/>
+          </p:cNvPicPr>
+          <p:nvPr/>
+        </p:nvPicPr>
+        <p:blipFill>
+          <a:blip r:embed="rId3"/>
+          <a:stretch>
+            <a:fillRect/>
+          </a:stretch>
+        </p:blipFill>
+        <p:spPr>
+          <a:xfrm>
+            <a:off x="101600" y="5081091"/>
+            <a:ext cx="11074400" cy="749300"/>
+          </a:xfrm>
+          <a:prstGeom prst="rect">
+            <a:avLst/>
+          </a:prstGeom>
+        </p:spPr>
+      </p:pic>
+      <p:sp>
+        <p:nvSpPr>
+          <p:cNvPr id="11" name="Frame 10">
+            <a:extLst>
+              <a:ext uri="{FF2B5EF4-FFF2-40B4-BE49-F238E27FC236}">
+                <a16:creationId xmlns:a16="http://schemas.microsoft.com/office/drawing/2014/main" id="{B203A990-90FE-4249-ADCF-B60ED23FB1B2}"/>
+              </a:ext>
+            </a:extLst>
+          </p:cNvPr>
+          <p:cNvSpPr/>
+          <p:nvPr/>
+        </p:nvSpPr>
+        <p:spPr>
+          <a:xfrm>
+            <a:off x="5490519" y="4946022"/>
+            <a:ext cx="1210962" cy="976184"/>
+          </a:xfrm>
+          <a:prstGeom prst="frame">
+            <a:avLst/>
+          </a:prstGeom>
+        </p:spPr>
+        <p:style>
+          <a:lnRef idx="2">
+            <a:schemeClr val="accent1">
+              <a:shade val="50000"/>
+            </a:schemeClr>
+          </a:lnRef>
+          <a:fillRef idx="1">
+            <a:schemeClr val="accent1"/>
+          </a:fillRef>
+          <a:effectRef idx="0">
+            <a:schemeClr val="accent1"/>
+          </a:effectRef>
+          <a:fontRef idx="minor">
+            <a:schemeClr val="lt1"/>
+          </a:fontRef>
+        </p:style>
+        <p:txBody>
+          <a:bodyPr rtlCol="0" anchor="ctr"/>
+          <a:lstStyle/>
+          <a:p>
+            <a:pPr algn="ctr"/>
+            <a:endParaRPr lang="en-US">
+              <a:solidFill>
+                <a:schemeClr val="tx1"/>
+              </a:solidFill>
+            </a:endParaRPr>
+          </a:p>
+        </p:txBody>
+      </p:sp>
+      <p:sp>
+        <p:nvSpPr>
+          <p:cNvPr id="12" name="TextBox 11">
+            <a:extLst>
+              <a:ext uri="{FF2B5EF4-FFF2-40B4-BE49-F238E27FC236}">
+                <a16:creationId xmlns:a16="http://schemas.microsoft.com/office/drawing/2014/main" id="{F1F819EB-FA40-E644-8638-D36E4DEE2CB9}"/>
+              </a:ext>
+            </a:extLst>
+          </p:cNvPr>
+          <p:cNvSpPr txBox="1"/>
+          <p:nvPr/>
+        </p:nvSpPr>
+        <p:spPr>
+          <a:xfrm>
+            <a:off x="492211" y="6155501"/>
+            <a:ext cx="7316298" cy="369332"/>
+          </a:xfrm>
+          <a:prstGeom prst="rect">
+            <a:avLst/>
+          </a:prstGeom>
+          <a:noFill/>
+        </p:spPr>
+        <p:txBody>
+          <a:bodyPr wrap="none" rtlCol="0">
+            <a:spAutoFit/>
+          </a:bodyPr>
+          <a:lstStyle/>
+          <a:p>
+            <a:r>
+              <a:rPr lang="en-US" dirty="0"/>
+              <a:t>So how can we communicate with pods when their addresses are changing?</a:t>
+            </a:r>
+          </a:p>
+        </p:txBody>
+      </p:sp>
+    </p:spTree>
+    <p:extLst>
+      <p:ext uri="{BB962C8B-B14F-4D97-AF65-F5344CB8AC3E}">
+        <p14:creationId xmlns:p14="http://schemas.microsoft.com/office/powerpoint/2010/main" val="3435710108"/>
+      </p:ext>
+    </p:extLst>
+  </p:cSld>
+  <p:clrMapOvr>
+    <a:masterClrMapping/>
+  </p:clrMapOvr>
+</p:sld>
+</file>
+
+<file path=ppt/slides/slide11.xml><?xml version="1.0" encoding="utf-8"?>
+<p:sld xmlns:a="http://schemas.openxmlformats.org/drawingml/2006/main" xmlns:r="http://schemas.openxmlformats.org/officeDocument/2006/relationships" xmlns:p="http://schemas.openxmlformats.org/presentationml/2006/main">
+  <p:cSld>
+    <p:spTree>
+      <p:nvGrpSpPr>
+        <p:cNvPr id="1" name=""/>
+        <p:cNvGrpSpPr/>
+        <p:nvPr/>
+      </p:nvGrpSpPr>
+      <p:grpSpPr>
+        <a:xfrm>
+          <a:off x="0" y="0"/>
+          <a:ext cx="0" cy="0"/>
+          <a:chOff x="0" y="0"/>
+          <a:chExt cx="0" cy="0"/>
+        </a:xfrm>
+      </p:grpSpPr>
+      <p:sp>
+        <p:nvSpPr>
+          <p:cNvPr id="2" name="Title 1">
+            <a:extLst>
+              <a:ext uri="{FF2B5EF4-FFF2-40B4-BE49-F238E27FC236}">
+                <a16:creationId xmlns:a16="http://schemas.microsoft.com/office/drawing/2014/main" id="{846948BB-B4D3-A541-822F-4EE77D4E5403}"/>
+              </a:ext>
+            </a:extLst>
+          </p:cNvPr>
+          <p:cNvSpPr>
+            <a:spLocks noGrp="1"/>
+          </p:cNvSpPr>
+          <p:nvPr>
+            <p:ph type="title"/>
+          </p:nvPr>
+        </p:nvSpPr>
+        <p:spPr/>
+        <p:txBody>
+          <a:bodyPr/>
+          <a:lstStyle/>
+          <a:p>
+            <a:r>
+              <a:rPr lang="en-US" dirty="0"/>
+              <a:t>Services to the rescue!</a:t>
+            </a:r>
+          </a:p>
+        </p:txBody>
+      </p:sp>
+      <p:pic>
+        <p:nvPicPr>
+          <p:cNvPr id="5" name="Graphic 4" descr="Life ring outline">
+            <a:extLst>
+              <a:ext uri="{FF2B5EF4-FFF2-40B4-BE49-F238E27FC236}">
+                <a16:creationId xmlns:a16="http://schemas.microsoft.com/office/drawing/2014/main" id="{46D1DF42-F1AB-8E4A-8862-4AFEEFE434B5}"/>
+              </a:ext>
+            </a:extLst>
+          </p:cNvPr>
+          <p:cNvPicPr>
+            <a:picLocks noChangeAspect="1"/>
+          </p:cNvPicPr>
+          <p:nvPr/>
+        </p:nvPicPr>
+        <p:blipFill>
+          <a:blip r:embed="rId2">
+            <a:extLst>
+              <a:ext uri="{96DAC541-7B7A-43D3-8B79-37D633B846F1}">
+                <asvg:svgBlip xmlns:asvg="http://schemas.microsoft.com/office/drawing/2016/SVG/main" r:embed="rId3"/>
+              </a:ext>
+            </a:extLst>
+          </a:blip>
+          <a:stretch>
+            <a:fillRect/>
+          </a:stretch>
+        </p:blipFill>
+        <p:spPr>
+          <a:xfrm>
+            <a:off x="5354595" y="2971800"/>
+            <a:ext cx="914400" cy="914400"/>
+          </a:xfrm>
+          <a:prstGeom prst="rect">
+            <a:avLst/>
+          </a:prstGeom>
+        </p:spPr>
+      </p:pic>
+      <p:sp>
+        <p:nvSpPr>
+          <p:cNvPr id="6" name="TextBox 5">
+            <a:extLst>
+              <a:ext uri="{FF2B5EF4-FFF2-40B4-BE49-F238E27FC236}">
+                <a16:creationId xmlns:a16="http://schemas.microsoft.com/office/drawing/2014/main" id="{DCA8E497-5C4E-4247-A428-C12FF17227F5}"/>
+              </a:ext>
+            </a:extLst>
+          </p:cNvPr>
+          <p:cNvSpPr txBox="1"/>
+          <p:nvPr/>
+        </p:nvSpPr>
+        <p:spPr>
+          <a:xfrm>
+            <a:off x="5204059" y="4013887"/>
+            <a:ext cx="1437894" cy="923330"/>
+          </a:xfrm>
+          <a:prstGeom prst="rect">
+            <a:avLst/>
+          </a:prstGeom>
+          <a:noFill/>
+        </p:spPr>
+        <p:txBody>
+          <a:bodyPr wrap="none" rtlCol="0">
+            <a:spAutoFit/>
+          </a:bodyPr>
+          <a:lstStyle/>
+          <a:p>
+            <a:r>
+              <a:rPr lang="en-US" dirty="0"/>
+              <a:t>Service IP </a:t>
+            </a:r>
+          </a:p>
+          <a:p>
+            <a:r>
+              <a:rPr lang="en-US" dirty="0"/>
+              <a:t>Addresses </a:t>
+            </a:r>
+          </a:p>
+          <a:p>
+            <a:r>
+              <a:rPr lang="en-US" dirty="0"/>
+              <a:t>don’t Change</a:t>
+            </a:r>
+          </a:p>
+        </p:txBody>
+      </p:sp>
+      <p:pic>
+        <p:nvPicPr>
+          <p:cNvPr id="11" name="Graphic 10" descr="Man outline">
+            <a:extLst>
+              <a:ext uri="{FF2B5EF4-FFF2-40B4-BE49-F238E27FC236}">
+                <a16:creationId xmlns:a16="http://schemas.microsoft.com/office/drawing/2014/main" id="{18F47C37-BAF7-B144-8854-F09E01111CC3}"/>
+              </a:ext>
+            </a:extLst>
+          </p:cNvPr>
+          <p:cNvPicPr>
+            <a:picLocks noChangeAspect="1"/>
+          </p:cNvPicPr>
+          <p:nvPr/>
+        </p:nvPicPr>
+        <p:blipFill>
+          <a:blip r:embed="rId4">
+            <a:extLst>
+              <a:ext uri="{96DAC541-7B7A-43D3-8B79-37D633B846F1}">
+                <asvg:svgBlip xmlns:asvg="http://schemas.microsoft.com/office/drawing/2016/SVG/main" r:embed="rId5"/>
+              </a:ext>
+            </a:extLst>
+          </a:blip>
+          <a:stretch>
+            <a:fillRect/>
+          </a:stretch>
+        </p:blipFill>
+        <p:spPr>
+          <a:xfrm>
+            <a:off x="7751805" y="1574393"/>
+            <a:ext cx="914400" cy="914400"/>
+          </a:xfrm>
+          <a:prstGeom prst="rect">
+            <a:avLst/>
+          </a:prstGeom>
+        </p:spPr>
+      </p:pic>
+      <p:pic>
+        <p:nvPicPr>
+          <p:cNvPr id="12" name="Graphic 11" descr="Man outline">
+            <a:extLst>
+              <a:ext uri="{FF2B5EF4-FFF2-40B4-BE49-F238E27FC236}">
+                <a16:creationId xmlns:a16="http://schemas.microsoft.com/office/drawing/2014/main" id="{C44E7910-5A1D-164A-BCC2-13909203509C}"/>
+              </a:ext>
+            </a:extLst>
+          </p:cNvPr>
+          <p:cNvPicPr>
+            <a:picLocks noChangeAspect="1"/>
+          </p:cNvPicPr>
+          <p:nvPr/>
+        </p:nvPicPr>
+        <p:blipFill>
+          <a:blip r:embed="rId4">
+            <a:extLst>
+              <a:ext uri="{96DAC541-7B7A-43D3-8B79-37D633B846F1}">
+                <asvg:svgBlip xmlns:asvg="http://schemas.microsoft.com/office/drawing/2016/SVG/main" r:embed="rId5"/>
+              </a:ext>
+            </a:extLst>
+          </a:blip>
+          <a:stretch>
+            <a:fillRect/>
+          </a:stretch>
+        </p:blipFill>
+        <p:spPr>
+          <a:xfrm>
+            <a:off x="7908324" y="3198341"/>
+            <a:ext cx="914400" cy="914400"/>
+          </a:xfrm>
+          <a:prstGeom prst="rect">
+            <a:avLst/>
+          </a:prstGeom>
+        </p:spPr>
+      </p:pic>
+      <p:pic>
+        <p:nvPicPr>
+          <p:cNvPr id="13" name="Graphic 12" descr="Man outline">
+            <a:extLst>
+              <a:ext uri="{FF2B5EF4-FFF2-40B4-BE49-F238E27FC236}">
+                <a16:creationId xmlns:a16="http://schemas.microsoft.com/office/drawing/2014/main" id="{60DAD96D-BF9E-BA43-8738-8C780CF8396E}"/>
+              </a:ext>
+            </a:extLst>
+          </p:cNvPr>
+          <p:cNvPicPr>
+            <a:picLocks noChangeAspect="1"/>
+          </p:cNvPicPr>
+          <p:nvPr/>
+        </p:nvPicPr>
+        <p:blipFill>
+          <a:blip r:embed="rId4">
+            <a:extLst>
+              <a:ext uri="{96DAC541-7B7A-43D3-8B79-37D633B846F1}">
+                <asvg:svgBlip xmlns:asvg="http://schemas.microsoft.com/office/drawing/2016/SVG/main" r:embed="rId5"/>
+              </a:ext>
+            </a:extLst>
+          </a:blip>
+          <a:stretch>
+            <a:fillRect/>
+          </a:stretch>
+        </p:blipFill>
+        <p:spPr>
+          <a:xfrm>
+            <a:off x="9545593" y="2092411"/>
+            <a:ext cx="914400" cy="914400"/>
+          </a:xfrm>
+          <a:prstGeom prst="rect">
+            <a:avLst/>
+          </a:prstGeom>
+        </p:spPr>
+      </p:pic>
+      <p:pic>
+        <p:nvPicPr>
+          <p:cNvPr id="14" name="Graphic 13" descr="Man outline">
+            <a:extLst>
+              <a:ext uri="{FF2B5EF4-FFF2-40B4-BE49-F238E27FC236}">
+                <a16:creationId xmlns:a16="http://schemas.microsoft.com/office/drawing/2014/main" id="{F605A1E6-E5FE-FF4F-8141-0EA9ECDA24F9}"/>
+              </a:ext>
+            </a:extLst>
+          </p:cNvPr>
+          <p:cNvPicPr>
+            <a:picLocks noChangeAspect="1"/>
+          </p:cNvPicPr>
+          <p:nvPr/>
+        </p:nvPicPr>
+        <p:blipFill>
+          <a:blip r:embed="rId4">
+            <a:extLst>
+              <a:ext uri="{96DAC541-7B7A-43D3-8B79-37D633B846F1}">
+                <asvg:svgBlip xmlns:asvg="http://schemas.microsoft.com/office/drawing/2016/SVG/main" r:embed="rId5"/>
+              </a:ext>
+            </a:extLst>
+          </a:blip>
+          <a:stretch>
+            <a:fillRect/>
+          </a:stretch>
+        </p:blipFill>
+        <p:spPr>
+          <a:xfrm>
+            <a:off x="8365524" y="4392142"/>
+            <a:ext cx="914400" cy="914400"/>
+          </a:xfrm>
+          <a:prstGeom prst="rect">
+            <a:avLst/>
+          </a:prstGeom>
+        </p:spPr>
+      </p:pic>
+      <p:cxnSp>
+        <p:nvCxnSpPr>
+          <p:cNvPr id="16" name="Straight Arrow Connector 15">
+            <a:extLst>
+              <a:ext uri="{FF2B5EF4-FFF2-40B4-BE49-F238E27FC236}">
+                <a16:creationId xmlns:a16="http://schemas.microsoft.com/office/drawing/2014/main" id="{B23FB039-FFC0-7147-B7FF-AB2F0A19CD89}"/>
+              </a:ext>
+            </a:extLst>
+          </p:cNvPr>
+          <p:cNvCxnSpPr>
+            <a:cxnSpLocks/>
+          </p:cNvCxnSpPr>
+          <p:nvPr/>
+        </p:nvCxnSpPr>
+        <p:spPr>
+          <a:xfrm>
+            <a:off x="2842054" y="3411024"/>
+            <a:ext cx="2372497" cy="17976"/>
+          </a:xfrm>
+          <a:prstGeom prst="straightConnector1">
+            <a:avLst/>
+          </a:prstGeom>
+          <a:ln>
+            <a:tailEnd type="triangle"/>
+          </a:ln>
+        </p:spPr>
+        <p:style>
+          <a:lnRef idx="1">
+            <a:schemeClr val="accent1"/>
+          </a:lnRef>
+          <a:fillRef idx="0">
+            <a:schemeClr val="accent1"/>
+          </a:fillRef>
+          <a:effectRef idx="0">
+            <a:schemeClr val="accent1"/>
+          </a:effectRef>
+          <a:fontRef idx="minor">
+            <a:schemeClr val="tx1"/>
+          </a:fontRef>
+        </p:style>
+      </p:cxnSp>
+      <p:sp>
+        <p:nvSpPr>
+          <p:cNvPr id="17" name="TextBox 16">
+            <a:extLst>
+              <a:ext uri="{FF2B5EF4-FFF2-40B4-BE49-F238E27FC236}">
+                <a16:creationId xmlns:a16="http://schemas.microsoft.com/office/drawing/2014/main" id="{0E357CA4-573B-A245-B77F-76B972C190A8}"/>
+              </a:ext>
+            </a:extLst>
+          </p:cNvPr>
+          <p:cNvSpPr txBox="1"/>
+          <p:nvPr/>
+        </p:nvSpPr>
+        <p:spPr>
+          <a:xfrm>
+            <a:off x="3657600" y="3041692"/>
+            <a:ext cx="1034066" cy="369332"/>
+          </a:xfrm>
+          <a:prstGeom prst="rect">
+            <a:avLst/>
+          </a:prstGeom>
+          <a:noFill/>
+        </p:spPr>
+        <p:txBody>
+          <a:bodyPr wrap="none" rtlCol="0">
+            <a:spAutoFit/>
+          </a:bodyPr>
+          <a:lstStyle/>
+          <a:p>
+            <a:r>
+              <a:rPr lang="en-US" dirty="0"/>
+              <a:t>Requests</a:t>
+            </a:r>
+          </a:p>
+        </p:txBody>
+      </p:sp>
+      <p:cxnSp>
+        <p:nvCxnSpPr>
+          <p:cNvPr id="18" name="Straight Arrow Connector 17">
+            <a:extLst>
+              <a:ext uri="{FF2B5EF4-FFF2-40B4-BE49-F238E27FC236}">
+                <a16:creationId xmlns:a16="http://schemas.microsoft.com/office/drawing/2014/main" id="{697657BA-494B-BF42-ADAF-C6F6D898CAE1}"/>
+              </a:ext>
+            </a:extLst>
+          </p:cNvPr>
+          <p:cNvCxnSpPr>
+            <a:cxnSpLocks/>
+          </p:cNvCxnSpPr>
+          <p:nvPr/>
+        </p:nvCxnSpPr>
+        <p:spPr>
+          <a:xfrm flipV="1">
+            <a:off x="6268995" y="2335427"/>
+            <a:ext cx="1639329" cy="645978"/>
+          </a:xfrm>
+          <a:prstGeom prst="straightConnector1">
+            <a:avLst/>
+          </a:prstGeom>
+          <a:ln>
+            <a:tailEnd type="triangle"/>
+          </a:ln>
+        </p:spPr>
+        <p:style>
+          <a:lnRef idx="1">
+            <a:schemeClr val="accent1"/>
+          </a:lnRef>
+          <a:fillRef idx="0">
+            <a:schemeClr val="accent1"/>
+          </a:fillRef>
+          <a:effectRef idx="0">
+            <a:schemeClr val="accent1"/>
+          </a:effectRef>
+          <a:fontRef idx="minor">
+            <a:schemeClr val="tx1"/>
+          </a:fontRef>
+        </p:style>
+      </p:cxnSp>
+      <p:cxnSp>
+        <p:nvCxnSpPr>
+          <p:cNvPr id="20" name="Straight Arrow Connector 19">
+            <a:extLst>
+              <a:ext uri="{FF2B5EF4-FFF2-40B4-BE49-F238E27FC236}">
+                <a16:creationId xmlns:a16="http://schemas.microsoft.com/office/drawing/2014/main" id="{12AFDDC2-1CB6-D048-A916-D7667290F52E}"/>
+              </a:ext>
+            </a:extLst>
+          </p:cNvPr>
+          <p:cNvCxnSpPr/>
+          <p:nvPr/>
+        </p:nvCxnSpPr>
+        <p:spPr>
+          <a:xfrm>
+            <a:off x="6268995" y="3429000"/>
+            <a:ext cx="1779373" cy="0"/>
+          </a:xfrm>
+          <a:prstGeom prst="straightConnector1">
+            <a:avLst/>
+          </a:prstGeom>
+          <a:ln>
+            <a:tailEnd type="triangle"/>
+          </a:ln>
+        </p:spPr>
+        <p:style>
+          <a:lnRef idx="1">
+            <a:schemeClr val="accent1"/>
+          </a:lnRef>
+          <a:fillRef idx="0">
+            <a:schemeClr val="accent1"/>
+          </a:fillRef>
+          <a:effectRef idx="0">
+            <a:schemeClr val="accent1"/>
+          </a:effectRef>
+          <a:fontRef idx="minor">
+            <a:schemeClr val="tx1"/>
+          </a:fontRef>
+        </p:style>
+      </p:cxnSp>
+      <p:cxnSp>
+        <p:nvCxnSpPr>
+          <p:cNvPr id="21" name="Straight Arrow Connector 20">
+            <a:extLst>
+              <a:ext uri="{FF2B5EF4-FFF2-40B4-BE49-F238E27FC236}">
+                <a16:creationId xmlns:a16="http://schemas.microsoft.com/office/drawing/2014/main" id="{F8D12F08-27E2-7B44-8A73-868F119D7EB7}"/>
+              </a:ext>
+            </a:extLst>
+          </p:cNvPr>
+          <p:cNvCxnSpPr>
+            <a:cxnSpLocks/>
+          </p:cNvCxnSpPr>
+          <p:nvPr/>
+        </p:nvCxnSpPr>
+        <p:spPr>
+          <a:xfrm>
+            <a:off x="6268995" y="3783227"/>
+            <a:ext cx="2096529" cy="937054"/>
+          </a:xfrm>
+          <a:prstGeom prst="straightConnector1">
+            <a:avLst/>
+          </a:prstGeom>
+          <a:ln>
+            <a:tailEnd type="triangle"/>
+          </a:ln>
+        </p:spPr>
+        <p:style>
+          <a:lnRef idx="1">
+            <a:schemeClr val="accent1"/>
+          </a:lnRef>
+          <a:fillRef idx="0">
+            <a:schemeClr val="accent1"/>
+          </a:fillRef>
+          <a:effectRef idx="0">
+            <a:schemeClr val="accent1"/>
+          </a:effectRef>
+          <a:fontRef idx="minor">
+            <a:schemeClr val="tx1"/>
+          </a:fontRef>
+        </p:style>
+      </p:cxnSp>
+      <p:cxnSp>
+        <p:nvCxnSpPr>
+          <p:cNvPr id="23" name="Straight Arrow Connector 22">
+            <a:extLst>
+              <a:ext uri="{FF2B5EF4-FFF2-40B4-BE49-F238E27FC236}">
+                <a16:creationId xmlns:a16="http://schemas.microsoft.com/office/drawing/2014/main" id="{B936B2AE-B902-8448-8456-60D10A83122E}"/>
+              </a:ext>
+            </a:extLst>
+          </p:cNvPr>
+          <p:cNvCxnSpPr>
+            <a:cxnSpLocks/>
+            <a:endCxn id="13" idx="1"/>
+          </p:cNvCxnSpPr>
+          <p:nvPr/>
+        </p:nvCxnSpPr>
+        <p:spPr>
+          <a:xfrm flipV="1">
+            <a:off x="6268995" y="2549611"/>
+            <a:ext cx="3276598" cy="646672"/>
+          </a:xfrm>
+          <a:prstGeom prst="straightConnector1">
+            <a:avLst/>
+          </a:prstGeom>
+          <a:ln>
+            <a:tailEnd type="triangle"/>
+          </a:ln>
+        </p:spPr>
+        <p:style>
+          <a:lnRef idx="1">
+            <a:schemeClr val="accent1"/>
+          </a:lnRef>
+          <a:fillRef idx="0">
+            <a:schemeClr val="accent1"/>
+          </a:fillRef>
+          <a:effectRef idx="0">
+            <a:schemeClr val="accent1"/>
+          </a:effectRef>
+          <a:fontRef idx="minor">
+            <a:schemeClr val="tx1"/>
+          </a:fontRef>
+        </p:style>
+      </p:cxnSp>
+      <p:sp>
+        <p:nvSpPr>
+          <p:cNvPr id="25" name="TextBox 24">
+            <a:extLst>
+              <a:ext uri="{FF2B5EF4-FFF2-40B4-BE49-F238E27FC236}">
+                <a16:creationId xmlns:a16="http://schemas.microsoft.com/office/drawing/2014/main" id="{52CC31EE-207C-CB4A-B7F3-1D4ACF3F2B80}"/>
+              </a:ext>
+            </a:extLst>
+          </p:cNvPr>
+          <p:cNvSpPr txBox="1"/>
+          <p:nvPr/>
+        </p:nvSpPr>
+        <p:spPr>
+          <a:xfrm>
+            <a:off x="9300521" y="3528024"/>
+            <a:ext cx="2785250" cy="923330"/>
+          </a:xfrm>
+          <a:prstGeom prst="rect">
+            <a:avLst/>
+          </a:prstGeom>
+          <a:noFill/>
+        </p:spPr>
+        <p:txBody>
+          <a:bodyPr wrap="none" rtlCol="0">
+            <a:spAutoFit/>
+          </a:bodyPr>
+          <a:lstStyle/>
+          <a:p>
+            <a:r>
+              <a:rPr lang="en-US" dirty="0"/>
+              <a:t>The service keeps track </a:t>
+            </a:r>
+          </a:p>
+          <a:p>
+            <a:r>
+              <a:rPr lang="en-US" dirty="0"/>
+              <a:t>of the new IP addresses.  </a:t>
+            </a:r>
+          </a:p>
+          <a:p>
+            <a:r>
+              <a:rPr lang="en-US" dirty="0"/>
+              <a:t>New endpoints are created.</a:t>
+            </a:r>
+          </a:p>
+        </p:txBody>
+      </p:sp>
+      <p:pic>
+        <p:nvPicPr>
+          <p:cNvPr id="26" name="Graphic 25" descr="Man outline">
+            <a:extLst>
+              <a:ext uri="{FF2B5EF4-FFF2-40B4-BE49-F238E27FC236}">
+                <a16:creationId xmlns:a16="http://schemas.microsoft.com/office/drawing/2014/main" id="{719927F5-24A4-5E41-AAD0-A552EE37AE08}"/>
+              </a:ext>
+            </a:extLst>
+          </p:cNvPr>
+          <p:cNvPicPr>
+            <a:picLocks noChangeAspect="1"/>
+          </p:cNvPicPr>
+          <p:nvPr/>
+        </p:nvPicPr>
+        <p:blipFill>
+          <a:blip r:embed="rId4">
+            <a:extLst>
+              <a:ext uri="{96DAC541-7B7A-43D3-8B79-37D633B846F1}">
+                <asvg:svgBlip xmlns:asvg="http://schemas.microsoft.com/office/drawing/2016/SVG/main" r:embed="rId5"/>
+              </a:ext>
+            </a:extLst>
+          </a:blip>
+          <a:stretch>
+            <a:fillRect/>
+          </a:stretch>
+        </p:blipFill>
+        <p:spPr>
+          <a:xfrm>
+            <a:off x="1826739" y="2769158"/>
+            <a:ext cx="914400" cy="914400"/>
+          </a:xfrm>
+          <a:prstGeom prst="rect">
+            <a:avLst/>
+          </a:prstGeom>
+        </p:spPr>
+      </p:pic>
+      <p:sp>
+        <p:nvSpPr>
+          <p:cNvPr id="29" name="TextBox 28">
+            <a:extLst>
+              <a:ext uri="{FF2B5EF4-FFF2-40B4-BE49-F238E27FC236}">
+                <a16:creationId xmlns:a16="http://schemas.microsoft.com/office/drawing/2014/main" id="{1046696D-758F-B648-BFA9-9913EF3A910B}"/>
+              </a:ext>
+            </a:extLst>
+          </p:cNvPr>
+          <p:cNvSpPr txBox="1"/>
+          <p:nvPr/>
+        </p:nvSpPr>
+        <p:spPr>
+          <a:xfrm>
+            <a:off x="345665" y="3929456"/>
+            <a:ext cx="4467249" cy="646331"/>
+          </a:xfrm>
+          <a:prstGeom prst="rect">
+            <a:avLst/>
+          </a:prstGeom>
+          <a:noFill/>
+        </p:spPr>
+        <p:txBody>
+          <a:bodyPr wrap="none" rtlCol="0">
+            <a:spAutoFit/>
+          </a:bodyPr>
+          <a:lstStyle/>
+          <a:p>
+            <a:r>
+              <a:rPr lang="en-US" dirty="0"/>
+              <a:t>My pod makes a request to the service, </a:t>
+            </a:r>
+          </a:p>
+          <a:p>
+            <a:r>
+              <a:rPr lang="en-US" dirty="0"/>
+              <a:t>and the service forwards the request to a pod</a:t>
+            </a:r>
+          </a:p>
+        </p:txBody>
+      </p:sp>
+    </p:spTree>
+    <p:extLst>
+      <p:ext uri="{BB962C8B-B14F-4D97-AF65-F5344CB8AC3E}">
+        <p14:creationId xmlns:p14="http://schemas.microsoft.com/office/powerpoint/2010/main" val="4242933900"/>
+      </p:ext>
+    </p:extLst>
+  </p:cSld>
+  <p:clrMapOvr>
+    <a:masterClrMapping/>
+  </p:clrMapOvr>
+</p:sld>
+</file>
+
 <file path=ppt/slides/slide2.xml><?xml version="1.0" encoding="utf-8"?>
 <p:sld xmlns:a="http://schemas.openxmlformats.org/drawingml/2006/main" xmlns:r="http://schemas.openxmlformats.org/officeDocument/2006/relationships" xmlns:p="http://schemas.openxmlformats.org/presentationml/2006/main">
   <p:cSld>
@@ -5624,7 +6649,7 @@
         </p:nvSpPr>
         <p:spPr>
           <a:xfrm>
-            <a:off x="838200" y="184805"/>
+            <a:off x="835147" y="280728"/>
             <a:ext cx="10515600" cy="1505883"/>
           </a:xfrm>
         </p:spPr>
@@ -5691,8 +6716,8 @@
           <p:nvPr/>
         </p:nvSpPr>
         <p:spPr>
-          <a:xfrm>
-            <a:off x="4558577" y="1229023"/>
+          <a:xfrm rot="21201104">
+            <a:off x="57211" y="1229022"/>
             <a:ext cx="3651321" cy="923330"/>
           </a:xfrm>
           <a:prstGeom prst="rect">
@@ -5741,9 +6766,9 @@
           <p:nvPr/>
         </p:nvCxnSpPr>
         <p:spPr>
-          <a:xfrm flipH="1">
-            <a:off x="3786896" y="2077278"/>
-            <a:ext cx="1759140" cy="2295939"/>
+          <a:xfrm>
+            <a:off x="2117035" y="2152353"/>
+            <a:ext cx="1669861" cy="2220864"/>
           </a:xfrm>
           <a:prstGeom prst="straightConnector1">
             <a:avLst/>
@@ -5782,9 +6807,9 @@
           <p:nvPr/>
         </p:nvCxnSpPr>
         <p:spPr>
-          <a:xfrm flipH="1">
-            <a:off x="5860776" y="2127818"/>
-            <a:ext cx="82824" cy="307235"/>
+          <a:xfrm>
+            <a:off x="2266122" y="2067339"/>
+            <a:ext cx="2633869" cy="347513"/>
           </a:xfrm>
           <a:prstGeom prst="straightConnector1">
             <a:avLst/>
@@ -5812,6 +6837,891 @@
     <p:extLst>
       <p:ext uri="{BB962C8B-B14F-4D97-AF65-F5344CB8AC3E}">
         <p14:creationId xmlns:p14="http://schemas.microsoft.com/office/powerpoint/2010/main" val="716564635"/>
+      </p:ext>
+    </p:extLst>
+  </p:cSld>
+  <p:clrMapOvr>
+    <a:masterClrMapping/>
+  </p:clrMapOvr>
+</p:sld>
+</file>
+
+<file path=ppt/slides/slide9.xml><?xml version="1.0" encoding="utf-8"?>
+<p:sld xmlns:a="http://schemas.openxmlformats.org/drawingml/2006/main" xmlns:r="http://schemas.openxmlformats.org/officeDocument/2006/relationships" xmlns:p="http://schemas.openxmlformats.org/presentationml/2006/main">
+  <p:cSld>
+    <p:spTree>
+      <p:nvGrpSpPr>
+        <p:cNvPr id="1" name=""/>
+        <p:cNvGrpSpPr/>
+        <p:nvPr/>
+      </p:nvGrpSpPr>
+      <p:grpSpPr>
+        <a:xfrm>
+          <a:off x="0" y="0"/>
+          <a:ext cx="0" cy="0"/>
+          <a:chOff x="0" y="0"/>
+          <a:chExt cx="0" cy="0"/>
+        </a:xfrm>
+      </p:grpSpPr>
+      <p:sp>
+        <p:nvSpPr>
+          <p:cNvPr id="2" name="Title 1">
+            <a:extLst>
+              <a:ext uri="{FF2B5EF4-FFF2-40B4-BE49-F238E27FC236}">
+                <a16:creationId xmlns:a16="http://schemas.microsoft.com/office/drawing/2014/main" id="{69FC75A1-740B-A543-9E7A-B5D2D548EAF4}"/>
+              </a:ext>
+            </a:extLst>
+          </p:cNvPr>
+          <p:cNvSpPr>
+            <a:spLocks noGrp="1"/>
+          </p:cNvSpPr>
+          <p:nvPr>
+            <p:ph type="title"/>
+          </p:nvPr>
+        </p:nvSpPr>
+        <p:spPr/>
+        <p:txBody>
+          <a:bodyPr/>
+          <a:lstStyle/>
+          <a:p>
+            <a:r>
+              <a:rPr lang="en-US" dirty="0"/>
+              <a:t>What’s a Deployment?</a:t>
+            </a:r>
+          </a:p>
+        </p:txBody>
+      </p:sp>
+      <p:pic>
+        <p:nvPicPr>
+          <p:cNvPr id="5" name="Graphic 4" descr="Factory outline">
+            <a:extLst>
+              <a:ext uri="{FF2B5EF4-FFF2-40B4-BE49-F238E27FC236}">
+                <a16:creationId xmlns:a16="http://schemas.microsoft.com/office/drawing/2014/main" id="{6E01635B-6574-5547-8221-1B1B1F82D996}"/>
+              </a:ext>
+            </a:extLst>
+          </p:cNvPr>
+          <p:cNvPicPr>
+            <a:picLocks noChangeAspect="1"/>
+          </p:cNvPicPr>
+          <p:nvPr/>
+        </p:nvPicPr>
+        <p:blipFill>
+          <a:blip r:embed="rId2">
+            <a:extLst>
+              <a:ext uri="{96DAC541-7B7A-43D3-8B79-37D633B846F1}">
+                <asvg:svgBlip xmlns:asvg="http://schemas.microsoft.com/office/drawing/2016/SVG/main" r:embed="rId3"/>
+              </a:ext>
+            </a:extLst>
+          </a:blip>
+          <a:stretch>
+            <a:fillRect/>
+          </a:stretch>
+        </p:blipFill>
+        <p:spPr>
+          <a:xfrm>
+            <a:off x="1276864" y="1690687"/>
+            <a:ext cx="1960605" cy="1960605"/>
+          </a:xfrm>
+          <a:prstGeom prst="rect">
+            <a:avLst/>
+          </a:prstGeom>
+        </p:spPr>
+      </p:pic>
+      <p:sp>
+        <p:nvSpPr>
+          <p:cNvPr id="6" name="TextBox 5">
+            <a:extLst>
+              <a:ext uri="{FF2B5EF4-FFF2-40B4-BE49-F238E27FC236}">
+                <a16:creationId xmlns:a16="http://schemas.microsoft.com/office/drawing/2014/main" id="{0ADB1E55-A238-8F40-8587-2FD96201EE22}"/>
+              </a:ext>
+            </a:extLst>
+          </p:cNvPr>
+          <p:cNvSpPr txBox="1"/>
+          <p:nvPr/>
+        </p:nvSpPr>
+        <p:spPr>
+          <a:xfrm>
+            <a:off x="1235676" y="3830595"/>
+            <a:ext cx="2081595" cy="369332"/>
+          </a:xfrm>
+          <a:prstGeom prst="rect">
+            <a:avLst/>
+          </a:prstGeom>
+          <a:noFill/>
+        </p:spPr>
+        <p:txBody>
+          <a:bodyPr wrap="none" rtlCol="0">
+            <a:spAutoFit/>
+          </a:bodyPr>
+          <a:lstStyle/>
+          <a:p>
+            <a:r>
+              <a:rPr lang="en-US" dirty="0"/>
+              <a:t>Deployment Factory</a:t>
+            </a:r>
+          </a:p>
+        </p:txBody>
+      </p:sp>
+      <p:cxnSp>
+        <p:nvCxnSpPr>
+          <p:cNvPr id="8" name="Straight Arrow Connector 7">
+            <a:extLst>
+              <a:ext uri="{FF2B5EF4-FFF2-40B4-BE49-F238E27FC236}">
+                <a16:creationId xmlns:a16="http://schemas.microsoft.com/office/drawing/2014/main" id="{2964DC5C-B985-D743-81B2-F5F6C82FF7FA}"/>
+              </a:ext>
+            </a:extLst>
+          </p:cNvPr>
+          <p:cNvCxnSpPr/>
+          <p:nvPr/>
+        </p:nvCxnSpPr>
+        <p:spPr>
+          <a:xfrm>
+            <a:off x="3595816" y="2977978"/>
+            <a:ext cx="939114" cy="0"/>
+          </a:xfrm>
+          <a:prstGeom prst="straightConnector1">
+            <a:avLst/>
+          </a:prstGeom>
+          <a:ln>
+            <a:tailEnd type="triangle"/>
+          </a:ln>
+        </p:spPr>
+        <p:style>
+          <a:lnRef idx="1">
+            <a:schemeClr val="accent1"/>
+          </a:lnRef>
+          <a:fillRef idx="0">
+            <a:schemeClr val="accent1"/>
+          </a:fillRef>
+          <a:effectRef idx="0">
+            <a:schemeClr val="accent1"/>
+          </a:effectRef>
+          <a:fontRef idx="minor">
+            <a:schemeClr val="tx1"/>
+          </a:fontRef>
+        </p:style>
+      </p:cxnSp>
+      <p:pic>
+        <p:nvPicPr>
+          <p:cNvPr id="10" name="Graphic 9" descr="Group of people outline">
+            <a:extLst>
+              <a:ext uri="{FF2B5EF4-FFF2-40B4-BE49-F238E27FC236}">
+                <a16:creationId xmlns:a16="http://schemas.microsoft.com/office/drawing/2014/main" id="{605C0A6F-73F4-A044-8802-88C1BE523330}"/>
+              </a:ext>
+            </a:extLst>
+          </p:cNvPr>
+          <p:cNvPicPr>
+            <a:picLocks noChangeAspect="1"/>
+          </p:cNvPicPr>
+          <p:nvPr/>
+        </p:nvPicPr>
+        <p:blipFill>
+          <a:blip r:embed="rId4">
+            <a:extLst>
+              <a:ext uri="{96DAC541-7B7A-43D3-8B79-37D633B846F1}">
+                <asvg:svgBlip xmlns:asvg="http://schemas.microsoft.com/office/drawing/2016/SVG/main" r:embed="rId5"/>
+              </a:ext>
+            </a:extLst>
+          </a:blip>
+          <a:stretch>
+            <a:fillRect/>
+          </a:stretch>
+        </p:blipFill>
+        <p:spPr>
+          <a:xfrm>
+            <a:off x="4650260" y="2514600"/>
+            <a:ext cx="914400" cy="914400"/>
+          </a:xfrm>
+          <a:prstGeom prst="rect">
+            <a:avLst/>
+          </a:prstGeom>
+        </p:spPr>
+      </p:pic>
+      <p:sp>
+        <p:nvSpPr>
+          <p:cNvPr id="11" name="TextBox 10">
+            <a:extLst>
+              <a:ext uri="{FF2B5EF4-FFF2-40B4-BE49-F238E27FC236}">
+                <a16:creationId xmlns:a16="http://schemas.microsoft.com/office/drawing/2014/main" id="{75655EFD-8041-2B42-9273-B89DF311E01C}"/>
+              </a:ext>
+            </a:extLst>
+          </p:cNvPr>
+          <p:cNvSpPr txBox="1"/>
+          <p:nvPr/>
+        </p:nvSpPr>
+        <p:spPr>
+          <a:xfrm>
+            <a:off x="4504955" y="3829225"/>
+            <a:ext cx="1205010" cy="369332"/>
+          </a:xfrm>
+          <a:prstGeom prst="rect">
+            <a:avLst/>
+          </a:prstGeom>
+          <a:noFill/>
+        </p:spPr>
+        <p:txBody>
+          <a:bodyPr wrap="none" rtlCol="0">
+            <a:spAutoFit/>
+          </a:bodyPr>
+          <a:lstStyle/>
+          <a:p>
+            <a:r>
+              <a:rPr lang="en-US" dirty="0"/>
+              <a:t>Replica Set</a:t>
+            </a:r>
+          </a:p>
+        </p:txBody>
+      </p:sp>
+      <p:cxnSp>
+        <p:nvCxnSpPr>
+          <p:cNvPr id="12" name="Straight Arrow Connector 11">
+            <a:extLst>
+              <a:ext uri="{FF2B5EF4-FFF2-40B4-BE49-F238E27FC236}">
+                <a16:creationId xmlns:a16="http://schemas.microsoft.com/office/drawing/2014/main" id="{8B8C2E48-CC18-6649-A499-979F4275082B}"/>
+              </a:ext>
+            </a:extLst>
+          </p:cNvPr>
+          <p:cNvCxnSpPr>
+            <a:cxnSpLocks/>
+          </p:cNvCxnSpPr>
+          <p:nvPr/>
+        </p:nvCxnSpPr>
+        <p:spPr>
+          <a:xfrm flipV="1">
+            <a:off x="5960075" y="2147887"/>
+            <a:ext cx="1186249" cy="823913"/>
+          </a:xfrm>
+          <a:prstGeom prst="straightConnector1">
+            <a:avLst/>
+          </a:prstGeom>
+          <a:ln>
+            <a:tailEnd type="triangle"/>
+          </a:ln>
+        </p:spPr>
+        <p:style>
+          <a:lnRef idx="1">
+            <a:schemeClr val="accent1"/>
+          </a:lnRef>
+          <a:fillRef idx="0">
+            <a:schemeClr val="accent1"/>
+          </a:fillRef>
+          <a:effectRef idx="0">
+            <a:schemeClr val="accent1"/>
+          </a:effectRef>
+          <a:fontRef idx="minor">
+            <a:schemeClr val="tx1"/>
+          </a:fontRef>
+        </p:style>
+      </p:cxnSp>
+      <p:pic>
+        <p:nvPicPr>
+          <p:cNvPr id="14" name="Graphic 13" descr="Man outline">
+            <a:extLst>
+              <a:ext uri="{FF2B5EF4-FFF2-40B4-BE49-F238E27FC236}">
+                <a16:creationId xmlns:a16="http://schemas.microsoft.com/office/drawing/2014/main" id="{00C60270-FF33-614D-9D69-3C6CEBA400D2}"/>
+              </a:ext>
+            </a:extLst>
+          </p:cNvPr>
+          <p:cNvPicPr>
+            <a:picLocks noChangeAspect="1"/>
+          </p:cNvPicPr>
+          <p:nvPr/>
+        </p:nvPicPr>
+        <p:blipFill>
+          <a:blip r:embed="rId6">
+            <a:extLst>
+              <a:ext uri="{96DAC541-7B7A-43D3-8B79-37D633B846F1}">
+                <asvg:svgBlip xmlns:asvg="http://schemas.microsoft.com/office/drawing/2016/SVG/main" r:embed="rId7"/>
+              </a:ext>
+            </a:extLst>
+          </a:blip>
+          <a:stretch>
+            <a:fillRect/>
+          </a:stretch>
+        </p:blipFill>
+        <p:spPr>
+          <a:xfrm>
+            <a:off x="7146324" y="1600200"/>
+            <a:ext cx="914400" cy="914400"/>
+          </a:xfrm>
+          <a:prstGeom prst="rect">
+            <a:avLst/>
+          </a:prstGeom>
+        </p:spPr>
+      </p:pic>
+      <p:pic>
+        <p:nvPicPr>
+          <p:cNvPr id="15" name="Graphic 14" descr="Man outline">
+            <a:extLst>
+              <a:ext uri="{FF2B5EF4-FFF2-40B4-BE49-F238E27FC236}">
+                <a16:creationId xmlns:a16="http://schemas.microsoft.com/office/drawing/2014/main" id="{8B4436D1-2D10-B44A-B355-C7451B6EDC44}"/>
+              </a:ext>
+            </a:extLst>
+          </p:cNvPr>
+          <p:cNvPicPr>
+            <a:picLocks noChangeAspect="1"/>
+          </p:cNvPicPr>
+          <p:nvPr/>
+        </p:nvPicPr>
+        <p:blipFill>
+          <a:blip r:embed="rId6">
+            <a:extLst>
+              <a:ext uri="{96DAC541-7B7A-43D3-8B79-37D633B846F1}">
+                <asvg:svgBlip xmlns:asvg="http://schemas.microsoft.com/office/drawing/2016/SVG/main" r:embed="rId7"/>
+              </a:ext>
+            </a:extLst>
+          </a:blip>
+          <a:stretch>
+            <a:fillRect/>
+          </a:stretch>
+        </p:blipFill>
+        <p:spPr>
+          <a:xfrm>
+            <a:off x="8517924" y="1690687"/>
+            <a:ext cx="914400" cy="914400"/>
+          </a:xfrm>
+          <a:prstGeom prst="rect">
+            <a:avLst/>
+          </a:prstGeom>
+        </p:spPr>
+      </p:pic>
+      <p:pic>
+        <p:nvPicPr>
+          <p:cNvPr id="16" name="Graphic 15" descr="Man outline">
+            <a:extLst>
+              <a:ext uri="{FF2B5EF4-FFF2-40B4-BE49-F238E27FC236}">
+                <a16:creationId xmlns:a16="http://schemas.microsoft.com/office/drawing/2014/main" id="{5111E451-F47E-E945-9B56-41274B25C0D9}"/>
+              </a:ext>
+            </a:extLst>
+          </p:cNvPr>
+          <p:cNvPicPr>
+            <a:picLocks noChangeAspect="1"/>
+          </p:cNvPicPr>
+          <p:nvPr/>
+        </p:nvPicPr>
+        <p:blipFill>
+          <a:blip r:embed="rId6">
+            <a:extLst>
+              <a:ext uri="{96DAC541-7B7A-43D3-8B79-37D633B846F1}">
+                <asvg:svgBlip xmlns:asvg="http://schemas.microsoft.com/office/drawing/2016/SVG/main" r:embed="rId7"/>
+              </a:ext>
+            </a:extLst>
+          </a:blip>
+          <a:stretch>
+            <a:fillRect/>
+          </a:stretch>
+        </p:blipFill>
+        <p:spPr>
+          <a:xfrm>
+            <a:off x="8060724" y="2576512"/>
+            <a:ext cx="914400" cy="914400"/>
+          </a:xfrm>
+          <a:prstGeom prst="rect">
+            <a:avLst/>
+          </a:prstGeom>
+        </p:spPr>
+      </p:pic>
+      <p:pic>
+        <p:nvPicPr>
+          <p:cNvPr id="17" name="Graphic 16" descr="Man outline">
+            <a:extLst>
+              <a:ext uri="{FF2B5EF4-FFF2-40B4-BE49-F238E27FC236}">
+                <a16:creationId xmlns:a16="http://schemas.microsoft.com/office/drawing/2014/main" id="{C3EBA6CF-94DA-A949-9704-78156BD94A7F}"/>
+              </a:ext>
+            </a:extLst>
+          </p:cNvPr>
+          <p:cNvPicPr>
+            <a:picLocks noChangeAspect="1"/>
+          </p:cNvPicPr>
+          <p:nvPr/>
+        </p:nvPicPr>
+        <p:blipFill>
+          <a:blip r:embed="rId6">
+            <a:extLst>
+              <a:ext uri="{96DAC541-7B7A-43D3-8B79-37D633B846F1}">
+                <asvg:svgBlip xmlns:asvg="http://schemas.microsoft.com/office/drawing/2016/SVG/main" r:embed="rId7"/>
+              </a:ext>
+            </a:extLst>
+          </a:blip>
+          <a:stretch>
+            <a:fillRect/>
+          </a:stretch>
+        </p:blipFill>
+        <p:spPr>
+          <a:xfrm>
+            <a:off x="7298724" y="3277979"/>
+            <a:ext cx="914400" cy="914400"/>
+          </a:xfrm>
+          <a:prstGeom prst="rect">
+            <a:avLst/>
+          </a:prstGeom>
+        </p:spPr>
+      </p:pic>
+      <p:cxnSp>
+        <p:nvCxnSpPr>
+          <p:cNvPr id="19" name="Straight Arrow Connector 18">
+            <a:extLst>
+              <a:ext uri="{FF2B5EF4-FFF2-40B4-BE49-F238E27FC236}">
+                <a16:creationId xmlns:a16="http://schemas.microsoft.com/office/drawing/2014/main" id="{DB781700-E12B-7D45-A352-A12EC821AA0B}"/>
+              </a:ext>
+            </a:extLst>
+          </p:cNvPr>
+          <p:cNvCxnSpPr>
+            <a:cxnSpLocks/>
+          </p:cNvCxnSpPr>
+          <p:nvPr/>
+        </p:nvCxnSpPr>
+        <p:spPr>
+          <a:xfrm flipV="1">
+            <a:off x="6112475" y="2392155"/>
+            <a:ext cx="2498125" cy="732046"/>
+          </a:xfrm>
+          <a:prstGeom prst="straightConnector1">
+            <a:avLst/>
+          </a:prstGeom>
+          <a:ln>
+            <a:tailEnd type="triangle"/>
+          </a:ln>
+        </p:spPr>
+        <p:style>
+          <a:lnRef idx="1">
+            <a:schemeClr val="accent1"/>
+          </a:lnRef>
+          <a:fillRef idx="0">
+            <a:schemeClr val="accent1"/>
+          </a:fillRef>
+          <a:effectRef idx="0">
+            <a:schemeClr val="accent1"/>
+          </a:effectRef>
+          <a:fontRef idx="minor">
+            <a:schemeClr val="tx1"/>
+          </a:fontRef>
+        </p:style>
+      </p:cxnSp>
+      <p:cxnSp>
+        <p:nvCxnSpPr>
+          <p:cNvPr id="20" name="Straight Arrow Connector 19">
+            <a:extLst>
+              <a:ext uri="{FF2B5EF4-FFF2-40B4-BE49-F238E27FC236}">
+                <a16:creationId xmlns:a16="http://schemas.microsoft.com/office/drawing/2014/main" id="{B86243EB-6149-8D42-88B7-F109DD898A1B}"/>
+              </a:ext>
+            </a:extLst>
+          </p:cNvPr>
+          <p:cNvCxnSpPr>
+            <a:cxnSpLocks/>
+            <a:endCxn id="16" idx="1"/>
+          </p:cNvCxnSpPr>
+          <p:nvPr/>
+        </p:nvCxnSpPr>
+        <p:spPr>
+          <a:xfrm flipV="1">
+            <a:off x="5932273" y="3033712"/>
+            <a:ext cx="2128451" cy="350046"/>
+          </a:xfrm>
+          <a:prstGeom prst="straightConnector1">
+            <a:avLst/>
+          </a:prstGeom>
+          <a:ln>
+            <a:tailEnd type="triangle"/>
+          </a:ln>
+        </p:spPr>
+        <p:style>
+          <a:lnRef idx="1">
+            <a:schemeClr val="accent1"/>
+          </a:lnRef>
+          <a:fillRef idx="0">
+            <a:schemeClr val="accent1"/>
+          </a:fillRef>
+          <a:effectRef idx="0">
+            <a:schemeClr val="accent1"/>
+          </a:effectRef>
+          <a:fontRef idx="minor">
+            <a:schemeClr val="tx1"/>
+          </a:fontRef>
+        </p:style>
+      </p:cxnSp>
+      <p:cxnSp>
+        <p:nvCxnSpPr>
+          <p:cNvPr id="21" name="Straight Arrow Connector 20">
+            <a:extLst>
+              <a:ext uri="{FF2B5EF4-FFF2-40B4-BE49-F238E27FC236}">
+                <a16:creationId xmlns:a16="http://schemas.microsoft.com/office/drawing/2014/main" id="{CEB0FF90-A4E7-B541-B2F3-A9574B2DD81E}"/>
+              </a:ext>
+            </a:extLst>
+          </p:cNvPr>
+          <p:cNvCxnSpPr>
+            <a:cxnSpLocks/>
+            <a:endCxn id="17" idx="1"/>
+          </p:cNvCxnSpPr>
+          <p:nvPr/>
+        </p:nvCxnSpPr>
+        <p:spPr>
+          <a:xfrm>
+            <a:off x="5936392" y="3620692"/>
+            <a:ext cx="1362332" cy="114487"/>
+          </a:xfrm>
+          <a:prstGeom prst="straightConnector1">
+            <a:avLst/>
+          </a:prstGeom>
+          <a:ln>
+            <a:tailEnd type="triangle"/>
+          </a:ln>
+        </p:spPr>
+        <p:style>
+          <a:lnRef idx="1">
+            <a:schemeClr val="accent1"/>
+          </a:lnRef>
+          <a:fillRef idx="0">
+            <a:schemeClr val="accent1"/>
+          </a:fillRef>
+          <a:effectRef idx="0">
+            <a:schemeClr val="accent1"/>
+          </a:effectRef>
+          <a:fontRef idx="minor">
+            <a:schemeClr val="tx1"/>
+          </a:fontRef>
+        </p:style>
+      </p:cxnSp>
+      <p:sp>
+        <p:nvSpPr>
+          <p:cNvPr id="25" name="TextBox 24">
+            <a:extLst>
+              <a:ext uri="{FF2B5EF4-FFF2-40B4-BE49-F238E27FC236}">
+                <a16:creationId xmlns:a16="http://schemas.microsoft.com/office/drawing/2014/main" id="{DFE30B43-938E-A74D-A0FA-76DC7372F6E1}"/>
+              </a:ext>
+            </a:extLst>
+          </p:cNvPr>
+          <p:cNvSpPr txBox="1"/>
+          <p:nvPr/>
+        </p:nvSpPr>
+        <p:spPr>
+          <a:xfrm>
+            <a:off x="7361537" y="4413492"/>
+            <a:ext cx="3358740" cy="369332"/>
+          </a:xfrm>
+          <a:prstGeom prst="rect">
+            <a:avLst/>
+          </a:prstGeom>
+          <a:noFill/>
+        </p:spPr>
+        <p:txBody>
+          <a:bodyPr wrap="none" rtlCol="0">
+            <a:spAutoFit/>
+          </a:bodyPr>
+          <a:lstStyle/>
+          <a:p>
+            <a:r>
+              <a:rPr lang="en-US" dirty="0"/>
+              <a:t>Pods controlled by the Replica Set</a:t>
+            </a:r>
+          </a:p>
+        </p:txBody>
+      </p:sp>
+      <p:sp>
+        <p:nvSpPr>
+          <p:cNvPr id="28" name="TextBox 27">
+            <a:extLst>
+              <a:ext uri="{FF2B5EF4-FFF2-40B4-BE49-F238E27FC236}">
+                <a16:creationId xmlns:a16="http://schemas.microsoft.com/office/drawing/2014/main" id="{B02633A8-2966-484B-B11C-2435A94D736B}"/>
+              </a:ext>
+            </a:extLst>
+          </p:cNvPr>
+          <p:cNvSpPr txBox="1"/>
+          <p:nvPr/>
+        </p:nvSpPr>
+        <p:spPr>
+          <a:xfrm>
+            <a:off x="783020" y="5811652"/>
+            <a:ext cx="9941376" cy="646331"/>
+          </a:xfrm>
+          <a:prstGeom prst="rect">
+            <a:avLst/>
+          </a:prstGeom>
+          <a:noFill/>
+        </p:spPr>
+        <p:txBody>
+          <a:bodyPr wrap="none" rtlCol="0">
+            <a:spAutoFit/>
+          </a:bodyPr>
+          <a:lstStyle/>
+          <a:p>
+            <a:r>
+              <a:rPr lang="en-US" dirty="0"/>
+              <a:t>The deployment factory will create a new </a:t>
+            </a:r>
+            <a:r>
+              <a:rPr lang="en-US" dirty="0" err="1"/>
+              <a:t>replicaset</a:t>
+            </a:r>
+            <a:r>
+              <a:rPr lang="en-US" dirty="0"/>
+              <a:t> is if the number of requested pods goes up or down</a:t>
+            </a:r>
+          </a:p>
+          <a:p>
+            <a:r>
+              <a:rPr lang="en-US" dirty="0"/>
+              <a:t>A new pod is created by the </a:t>
+            </a:r>
+            <a:r>
+              <a:rPr lang="en-US" dirty="0" err="1"/>
+              <a:t>replicaset</a:t>
+            </a:r>
+            <a:r>
+              <a:rPr lang="en-US" dirty="0"/>
+              <a:t> if the number requested &lt;&gt; number of active pods</a:t>
+            </a:r>
+          </a:p>
+        </p:txBody>
+      </p:sp>
+      <p:sp>
+        <p:nvSpPr>
+          <p:cNvPr id="30" name="TextBox 29">
+            <a:extLst>
+              <a:ext uri="{FF2B5EF4-FFF2-40B4-BE49-F238E27FC236}">
+                <a16:creationId xmlns:a16="http://schemas.microsoft.com/office/drawing/2014/main" id="{84F91B98-FCD2-3D4C-A04E-3B0DC0AEF0CA}"/>
+              </a:ext>
+            </a:extLst>
+          </p:cNvPr>
+          <p:cNvSpPr txBox="1"/>
+          <p:nvPr/>
+        </p:nvSpPr>
+        <p:spPr>
+          <a:xfrm>
+            <a:off x="394612" y="4887098"/>
+            <a:ext cx="4268476" cy="369332"/>
+          </a:xfrm>
+          <a:prstGeom prst="rect">
+            <a:avLst/>
+          </a:prstGeom>
+          <a:noFill/>
+        </p:spPr>
+        <p:txBody>
+          <a:bodyPr wrap="none" rtlCol="0">
+            <a:spAutoFit/>
+          </a:bodyPr>
+          <a:lstStyle/>
+          <a:p>
+            <a:r>
+              <a:rPr lang="en-US" dirty="0"/>
+              <a:t>Pod spec is defined in the deployment </a:t>
+            </a:r>
+            <a:r>
+              <a:rPr lang="en-US" dirty="0" err="1"/>
+              <a:t>yaml</a:t>
+            </a:r>
+            <a:endParaRPr lang="en-US" dirty="0"/>
+          </a:p>
+        </p:txBody>
+      </p:sp>
+      <p:sp>
+        <p:nvSpPr>
+          <p:cNvPr id="33" name="Curved Up Arrow 32">
+            <a:extLst>
+              <a:ext uri="{FF2B5EF4-FFF2-40B4-BE49-F238E27FC236}">
+                <a16:creationId xmlns:a16="http://schemas.microsoft.com/office/drawing/2014/main" id="{81B46A0D-7943-AD4E-A8A7-34AFA214363C}"/>
+              </a:ext>
+            </a:extLst>
+          </p:cNvPr>
+          <p:cNvSpPr/>
+          <p:nvPr/>
+        </p:nvSpPr>
+        <p:spPr>
+          <a:xfrm>
+            <a:off x="2125362" y="4192379"/>
+            <a:ext cx="5412259" cy="731520"/>
+          </a:xfrm>
+          <a:prstGeom prst="curvedUpArrow">
+            <a:avLst/>
+          </a:prstGeom>
+        </p:spPr>
+        <p:style>
+          <a:lnRef idx="2">
+            <a:schemeClr val="accent1">
+              <a:shade val="50000"/>
+            </a:schemeClr>
+          </a:lnRef>
+          <a:fillRef idx="1">
+            <a:schemeClr val="accent1"/>
+          </a:fillRef>
+          <a:effectRef idx="0">
+            <a:schemeClr val="accent1"/>
+          </a:effectRef>
+          <a:fontRef idx="minor">
+            <a:schemeClr val="lt1"/>
+          </a:fontRef>
+        </p:style>
+        <p:txBody>
+          <a:bodyPr rtlCol="0" anchor="ctr"/>
+          <a:lstStyle/>
+          <a:p>
+            <a:pPr algn="ctr"/>
+            <a:endParaRPr lang="en-US">
+              <a:solidFill>
+                <a:schemeClr val="tx1"/>
+              </a:solidFill>
+            </a:endParaRPr>
+          </a:p>
+        </p:txBody>
+      </p:sp>
+      <p:pic>
+        <p:nvPicPr>
+          <p:cNvPr id="35" name="Graphic 34" descr="Close outline">
+            <a:extLst>
+              <a:ext uri="{FF2B5EF4-FFF2-40B4-BE49-F238E27FC236}">
+                <a16:creationId xmlns:a16="http://schemas.microsoft.com/office/drawing/2014/main" id="{E599C665-CF06-5643-AC81-026F759EF037}"/>
+              </a:ext>
+            </a:extLst>
+          </p:cNvPr>
+          <p:cNvPicPr>
+            <a:picLocks noChangeAspect="1"/>
+          </p:cNvPicPr>
+          <p:nvPr/>
+        </p:nvPicPr>
+        <p:blipFill>
+          <a:blip r:embed="rId8">
+            <a:alphaModFix/>
+            <a:extLst>
+              <a:ext uri="{96DAC541-7B7A-43D3-8B79-37D633B846F1}">
+                <asvg:svgBlip xmlns:asvg="http://schemas.microsoft.com/office/drawing/2016/SVG/main" r:embed="rId9"/>
+              </a:ext>
+            </a:extLst>
+          </a:blip>
+          <a:stretch>
+            <a:fillRect/>
+          </a:stretch>
+        </p:blipFill>
+        <p:spPr>
+          <a:xfrm>
+            <a:off x="8517924" y="1662111"/>
+            <a:ext cx="914400" cy="914400"/>
+          </a:xfrm>
+          <a:prstGeom prst="rect">
+            <a:avLst/>
+          </a:prstGeom>
+          <a:effectLst>
+            <a:outerShdw blurRad="50800" dist="50800" dir="5400000" algn="ctr" rotWithShape="0">
+              <a:srgbClr val="000000"/>
+            </a:outerShdw>
+          </a:effectLst>
+        </p:spPr>
+      </p:pic>
+      <p:sp>
+        <p:nvSpPr>
+          <p:cNvPr id="36" name="TextBox 35">
+            <a:extLst>
+              <a:ext uri="{FF2B5EF4-FFF2-40B4-BE49-F238E27FC236}">
+                <a16:creationId xmlns:a16="http://schemas.microsoft.com/office/drawing/2014/main" id="{281EEB2B-11AE-4A49-93E9-9CDBB02FD878}"/>
+              </a:ext>
+            </a:extLst>
+          </p:cNvPr>
+          <p:cNvSpPr txBox="1"/>
+          <p:nvPr/>
+        </p:nvSpPr>
+        <p:spPr>
+          <a:xfrm>
+            <a:off x="9432325" y="1445740"/>
+            <a:ext cx="2360140" cy="1200329"/>
+          </a:xfrm>
+          <a:prstGeom prst="rect">
+            <a:avLst/>
+          </a:prstGeom>
+          <a:noFill/>
+        </p:spPr>
+        <p:txBody>
+          <a:bodyPr wrap="square" rtlCol="0">
+            <a:spAutoFit/>
+          </a:bodyPr>
+          <a:lstStyle/>
+          <a:p>
+            <a:r>
+              <a:rPr lang="en-US" dirty="0"/>
+              <a:t>If a pod crashes or gets deleted, the RS will create a new pod to replace it</a:t>
+            </a:r>
+          </a:p>
+        </p:txBody>
+      </p:sp>
+      <p:pic>
+        <p:nvPicPr>
+          <p:cNvPr id="40" name="Graphic 39" descr="Badge Follow outline">
+            <a:extLst>
+              <a:ext uri="{FF2B5EF4-FFF2-40B4-BE49-F238E27FC236}">
+                <a16:creationId xmlns:a16="http://schemas.microsoft.com/office/drawing/2014/main" id="{D02F9932-9889-ED41-9DCC-B2D8408410ED}"/>
+              </a:ext>
+            </a:extLst>
+          </p:cNvPr>
+          <p:cNvPicPr>
+            <a:picLocks noChangeAspect="1"/>
+          </p:cNvPicPr>
+          <p:nvPr/>
+        </p:nvPicPr>
+        <p:blipFill>
+          <a:blip r:embed="rId10">
+            <a:extLst>
+              <a:ext uri="{96DAC541-7B7A-43D3-8B79-37D633B846F1}">
+                <asvg:svgBlip xmlns:asvg="http://schemas.microsoft.com/office/drawing/2016/SVG/main" r:embed="rId11"/>
+              </a:ext>
+            </a:extLst>
+          </a:blip>
+          <a:stretch>
+            <a:fillRect/>
+          </a:stretch>
+        </p:blipFill>
+        <p:spPr>
+          <a:xfrm>
+            <a:off x="8615236" y="3051440"/>
+            <a:ext cx="453076" cy="453076"/>
+          </a:xfrm>
+          <a:prstGeom prst="rect">
+            <a:avLst/>
+          </a:prstGeom>
+        </p:spPr>
+      </p:pic>
+      <p:cxnSp>
+        <p:nvCxnSpPr>
+          <p:cNvPr id="41" name="Straight Arrow Connector 40">
+            <a:extLst>
+              <a:ext uri="{FF2B5EF4-FFF2-40B4-BE49-F238E27FC236}">
+                <a16:creationId xmlns:a16="http://schemas.microsoft.com/office/drawing/2014/main" id="{CF777C53-58B6-6E4E-9435-65AA25AC1CC7}"/>
+              </a:ext>
+            </a:extLst>
+          </p:cNvPr>
+          <p:cNvCxnSpPr>
+            <a:cxnSpLocks/>
+          </p:cNvCxnSpPr>
+          <p:nvPr/>
+        </p:nvCxnSpPr>
+        <p:spPr>
+          <a:xfrm flipH="1">
+            <a:off x="9094573" y="2690939"/>
+            <a:ext cx="528251" cy="342773"/>
+          </a:xfrm>
+          <a:prstGeom prst="straightConnector1">
+            <a:avLst/>
+          </a:prstGeom>
+          <a:ln>
+            <a:tailEnd type="triangle"/>
+          </a:ln>
+        </p:spPr>
+        <p:style>
+          <a:lnRef idx="1">
+            <a:schemeClr val="accent1"/>
+          </a:lnRef>
+          <a:fillRef idx="0">
+            <a:schemeClr val="accent1"/>
+          </a:fillRef>
+          <a:effectRef idx="0">
+            <a:schemeClr val="accent1"/>
+          </a:effectRef>
+          <a:fontRef idx="minor">
+            <a:schemeClr val="tx1"/>
+          </a:fontRef>
+        </p:style>
+      </p:cxnSp>
+    </p:spTree>
+    <p:extLst>
+      <p:ext uri="{BB962C8B-B14F-4D97-AF65-F5344CB8AC3E}">
+        <p14:creationId xmlns:p14="http://schemas.microsoft.com/office/powerpoint/2010/main" val="1596674117"/>
       </p:ext>
     </p:extLst>
   </p:cSld>
